--- a/trunk/Air Hockey Haptique.pptx
+++ b/trunk/Air Hockey Haptique.pptx
@@ -4151,6 +4151,13 @@
   <p:clrMapOvr>
     <a:masterClrMapping/>
   </p:clrMapOvr>
+  <p:timing>
+    <p:tnLst>
+      <p:par>
+        <p:cTn id="1" dur="indefinite" restart="never" nodeType="tmRoot"/>
+      </p:par>
+    </p:tnLst>
+  </p:timing>
 </p:sld>
 </file>
 
@@ -5927,13 +5934,8 @@
             </a:r>
             <a:r>
               <a:rPr lang="fr-FR" dirty="0" smtClean="0"/>
-              <a:t> si </a:t>
-            </a:r>
-            <a:r>
-              <a:rPr lang="fr-FR" dirty="0" smtClean="0"/>
-              <a:t>activée</a:t>
-            </a:r>
-            <a:endParaRPr lang="fr-FR" dirty="0" smtClean="0"/>
+              <a:t> si activée</a:t>
+            </a:r>
           </a:p>
         </p:txBody>
       </p:sp>
@@ -6095,11 +6097,7 @@
             <a:pPr lvl="1"/>
             <a:r>
               <a:rPr lang="fr-FR" dirty="0" smtClean="0"/>
-              <a:t>Changement de la difficulté sur </a:t>
-            </a:r>
-            <a:r>
-              <a:rPr lang="fr-FR" dirty="0" smtClean="0"/>
-              <a:t>le palet</a:t>
+              <a:t>Changement de la difficulté sur le palet</a:t>
             </a:r>
           </a:p>
           <a:p>
@@ -6115,7 +6113,6 @@
               <a:rPr lang="fr-FR" dirty="0" smtClean="0"/>
               <a:t>Elastique </a:t>
             </a:r>
-            <a:endParaRPr lang="fr-FR" dirty="0" smtClean="0"/>
           </a:p>
           <a:p>
             <a:pPr lvl="1"/>
@@ -6502,8 +6499,38 @@
             <a:pPr lvl="2"/>
             <a:r>
               <a:rPr lang="fr-FR" dirty="0" smtClean="0"/>
-              <a:t>Rappel du début de partie combiné à l’effet du buts</a:t>
-            </a:r>
+              <a:t>Rappel du début de partie combiné à l’effet du </a:t>
+            </a:r>
+            <a:r>
+              <a:rPr lang="fr-FR" dirty="0" smtClean="0"/>
+              <a:t>buts</a:t>
+            </a:r>
+          </a:p>
+          <a:p>
+            <a:pPr lvl="1"/>
+            <a:r>
+              <a:rPr lang="fr-FR" dirty="0" smtClean="0"/>
+              <a:t>Affichage d’un message indiquant </a:t>
+            </a:r>
+          </a:p>
+          <a:p>
+            <a:pPr lvl="2"/>
+            <a:r>
+              <a:rPr lang="fr-FR" dirty="0"/>
+              <a:t>S</a:t>
+            </a:r>
+            <a:r>
+              <a:rPr lang="fr-FR" dirty="0" smtClean="0"/>
+              <a:t>i le joueur humain a gagné </a:t>
+            </a:r>
+          </a:p>
+          <a:p>
+            <a:pPr lvl="2"/>
+            <a:r>
+              <a:rPr lang="fr-FR" dirty="0" smtClean="0"/>
+              <a:t>Si il a perdu</a:t>
+            </a:r>
+            <a:endParaRPr lang="fr-FR" dirty="0" smtClean="0"/>
           </a:p>
         </p:txBody>
       </p:sp>
@@ -6660,8 +6687,9 @@
           <a:p>
             <a:r>
               <a:rPr lang="fr-FR" dirty="0" smtClean="0"/>
-              <a:t>Solid</a:t>
-            </a:r>
+              <a:t>Solide</a:t>
+            </a:r>
+            <a:endParaRPr lang="fr-FR" dirty="0" smtClean="0"/>
           </a:p>
           <a:p>
             <a:pPr lvl="1"/>
@@ -6866,7 +6894,6 @@
               <a:rPr lang="fr-FR" dirty="0" smtClean="0"/>
               <a:t>Friction (relativement légère)</a:t>
             </a:r>
-            <a:endParaRPr lang="fr-FR" dirty="0" smtClean="0"/>
           </a:p>
           <a:p>
             <a:r>
@@ -7034,8 +7061,17 @@
           <a:p>
             <a:r>
               <a:rPr lang="fr-FR" dirty="0" smtClean="0"/>
-              <a:t>Dans le cas Solid</a:t>
-            </a:r>
+              <a:t>Dans le </a:t>
+            </a:r>
+            <a:r>
+              <a:rPr lang="fr-FR" smtClean="0"/>
+              <a:t>cas </a:t>
+            </a:r>
+            <a:r>
+              <a:rPr lang="fr-FR" smtClean="0"/>
+              <a:t>Solide</a:t>
+            </a:r>
+            <a:endParaRPr lang="fr-FR" dirty="0" smtClean="0"/>
           </a:p>
           <a:p>
             <a:pPr lvl="1"/>
@@ -7060,11 +7096,7 @@
           <a:p>
             <a:r>
               <a:rPr lang="fr-FR" dirty="0" smtClean="0"/>
-              <a:t>Dans tous les cas ralentissement du palet en fonction du </a:t>
-            </a:r>
-            <a:r>
-              <a:rPr lang="fr-FR" dirty="0" smtClean="0"/>
-              <a:t>temps</a:t>
+              <a:t>Dans tous les cas ralentissement du palet en fonction du temps</a:t>
             </a:r>
             <a:endParaRPr lang="fr-FR" dirty="0"/>
           </a:p>

--- a/trunk/Air Hockey Haptique.pptx
+++ b/trunk/Air Hockey Haptique.pptx
@@ -208,7 +208,7 @@
           <a:p>
             <a:fld id="{3E502241-C70B-4617-B8C6-CE4ACD18D5AC}" type="datetimeFigureOut">
               <a:rPr lang="fr-FR" smtClean="0"/>
-              <a:t>15/02/2012</a:t>
+              <a:t>07/03/2012</a:t>
             </a:fld>
             <a:endParaRPr lang="fr-FR"/>
           </a:p>
@@ -961,7 +961,7 @@
           <a:p>
             <a:fld id="{1445A34F-B682-4E99-B14E-52D27740A526}" type="datetimeFigureOut">
               <a:rPr lang="fr-FR" smtClean="0"/>
-              <a:t>15/02/2012</a:t>
+              <a:t>07/03/2012</a:t>
             </a:fld>
             <a:endParaRPr lang="fr-FR"/>
           </a:p>
@@ -1131,7 +1131,7 @@
           <a:p>
             <a:fld id="{1445A34F-B682-4E99-B14E-52D27740A526}" type="datetimeFigureOut">
               <a:rPr lang="fr-FR" smtClean="0"/>
-              <a:t>15/02/2012</a:t>
+              <a:t>07/03/2012</a:t>
             </a:fld>
             <a:endParaRPr lang="fr-FR"/>
           </a:p>
@@ -1311,7 +1311,7 @@
           <a:p>
             <a:fld id="{1445A34F-B682-4E99-B14E-52D27740A526}" type="datetimeFigureOut">
               <a:rPr lang="fr-FR" smtClean="0"/>
-              <a:t>15/02/2012</a:t>
+              <a:t>07/03/2012</a:t>
             </a:fld>
             <a:endParaRPr lang="fr-FR"/>
           </a:p>
@@ -1481,7 +1481,7 @@
           <a:p>
             <a:fld id="{1445A34F-B682-4E99-B14E-52D27740A526}" type="datetimeFigureOut">
               <a:rPr lang="fr-FR" smtClean="0"/>
-              <a:t>15/02/2012</a:t>
+              <a:t>07/03/2012</a:t>
             </a:fld>
             <a:endParaRPr lang="fr-FR"/>
           </a:p>
@@ -1727,7 +1727,7 @@
           <a:p>
             <a:fld id="{1445A34F-B682-4E99-B14E-52D27740A526}" type="datetimeFigureOut">
               <a:rPr lang="fr-FR" smtClean="0"/>
-              <a:t>15/02/2012</a:t>
+              <a:t>07/03/2012</a:t>
             </a:fld>
             <a:endParaRPr lang="fr-FR"/>
           </a:p>
@@ -2015,7 +2015,7 @@
           <a:p>
             <a:fld id="{1445A34F-B682-4E99-B14E-52D27740A526}" type="datetimeFigureOut">
               <a:rPr lang="fr-FR" smtClean="0"/>
-              <a:t>15/02/2012</a:t>
+              <a:t>07/03/2012</a:t>
             </a:fld>
             <a:endParaRPr lang="fr-FR"/>
           </a:p>
@@ -2437,7 +2437,7 @@
           <a:p>
             <a:fld id="{1445A34F-B682-4E99-B14E-52D27740A526}" type="datetimeFigureOut">
               <a:rPr lang="fr-FR" smtClean="0"/>
-              <a:t>15/02/2012</a:t>
+              <a:t>07/03/2012</a:t>
             </a:fld>
             <a:endParaRPr lang="fr-FR"/>
           </a:p>
@@ -2555,7 +2555,7 @@
           <a:p>
             <a:fld id="{1445A34F-B682-4E99-B14E-52D27740A526}" type="datetimeFigureOut">
               <a:rPr lang="fr-FR" smtClean="0"/>
-              <a:t>15/02/2012</a:t>
+              <a:t>07/03/2012</a:t>
             </a:fld>
             <a:endParaRPr lang="fr-FR"/>
           </a:p>
@@ -2650,7 +2650,7 @@
           <a:p>
             <a:fld id="{1445A34F-B682-4E99-B14E-52D27740A526}" type="datetimeFigureOut">
               <a:rPr lang="fr-FR" smtClean="0"/>
-              <a:t>15/02/2012</a:t>
+              <a:t>07/03/2012</a:t>
             </a:fld>
             <a:endParaRPr lang="fr-FR"/>
           </a:p>
@@ -2927,7 +2927,7 @@
           <a:p>
             <a:fld id="{1445A34F-B682-4E99-B14E-52D27740A526}" type="datetimeFigureOut">
               <a:rPr lang="fr-FR" smtClean="0"/>
-              <a:t>15/02/2012</a:t>
+              <a:t>07/03/2012</a:t>
             </a:fld>
             <a:endParaRPr lang="fr-FR"/>
           </a:p>
@@ -3180,7 +3180,7 @@
           <a:p>
             <a:fld id="{1445A34F-B682-4E99-B14E-52D27740A526}" type="datetimeFigureOut">
               <a:rPr lang="fr-FR" smtClean="0"/>
-              <a:t>15/02/2012</a:t>
+              <a:t>07/03/2012</a:t>
             </a:fld>
             <a:endParaRPr lang="fr-FR"/>
           </a:p>
@@ -3393,7 +3393,7 @@
           <a:p>
             <a:fld id="{1445A34F-B682-4E99-B14E-52D27740A526}" type="datetimeFigureOut">
               <a:rPr lang="fr-FR" smtClean="0"/>
-              <a:t>15/02/2012</a:t>
+              <a:t>07/03/2012</a:t>
             </a:fld>
             <a:endParaRPr lang="fr-FR"/>
           </a:p>
@@ -3774,15 +3774,19 @@
           <p:cNvPicPr>
             <a:picLocks noChangeAspect="1" noChangeArrowheads="1"/>
           </p:cNvPicPr>
-          <p:nvPr/>
+          <p:nvPr>
+            <p:custDataLst>
+              <p:tags r:id="rId1"/>
+            </p:custDataLst>
+          </p:nvPr>
         </p:nvPicPr>
         <p:blipFill>
-          <a:blip r:embed="rId2">
+          <a:blip r:embed="rId5">
             <a:lum bright="70000" contrast="-70000"/>
             <a:extLst>
               <a:ext uri="{BEBA8EAE-BF5A-486C-A8C5-ECC9F3942E4B}">
                 <a14:imgProps xmlns:a14="http://schemas.microsoft.com/office/drawing/2010/main">
-                  <a14:imgLayer r:embed="rId3">
+                  <a14:imgLayer r:embed="rId6">
                     <a14:imgEffect>
                       <a14:artisticChalkSketch/>
                     </a14:imgEffect>
@@ -3850,6 +3854,9 @@
           </p:cNvSpPr>
           <p:nvPr>
             <p:ph type="ctrTitle"/>
+            <p:custDataLst>
+              <p:tags r:id="rId2"/>
+            </p:custDataLst>
           </p:nvPr>
         </p:nvSpPr>
         <p:spPr/>
@@ -3877,6 +3884,9 @@
           </p:cNvSpPr>
           <p:nvPr>
             <p:ph type="subTitle" idx="1"/>
+            <p:custDataLst>
+              <p:tags r:id="rId3"/>
+            </p:custDataLst>
           </p:nvPr>
         </p:nvSpPr>
         <p:spPr/>
@@ -3949,6 +3959,9 @@
           </p:cNvSpPr>
           <p:nvPr>
             <p:ph type="title"/>
+            <p:custDataLst>
+              <p:tags r:id="rId1"/>
+            </p:custDataLst>
           </p:nvPr>
         </p:nvSpPr>
         <p:spPr/>
@@ -3971,6 +3984,9 @@
           </p:cNvSpPr>
           <p:nvPr>
             <p:ph type="body" idx="1"/>
+            <p:custDataLst>
+              <p:tags r:id="rId2"/>
+            </p:custDataLst>
           </p:nvPr>
         </p:nvSpPr>
         <p:spPr/>
@@ -3994,6 +4010,9 @@
           </p:cNvSpPr>
           <p:nvPr>
             <p:ph type="body" sz="quarter" idx="3"/>
+            <p:custDataLst>
+              <p:tags r:id="rId3"/>
+            </p:custDataLst>
           </p:nvPr>
         </p:nvSpPr>
         <p:spPr/>
@@ -4017,10 +4036,13 @@
           </p:cNvPicPr>
           <p:nvPr>
             <p:ph sz="quarter" idx="4"/>
+            <p:custDataLst>
+              <p:tags r:id="rId4"/>
+            </p:custDataLst>
           </p:nvPr>
         </p:nvPicPr>
         <p:blipFill>
-          <a:blip r:embed="rId2">
+          <a:blip r:embed="rId7">
             <a:extLst>
               <a:ext uri="{28A0092B-C50C-407E-A947-70E740481C1C}">
                 <a14:useLocalDpi xmlns:a14="http://schemas.microsoft.com/office/drawing/2010/main" val="0"/>
@@ -4083,10 +4105,13 @@
           </p:cNvPicPr>
           <p:nvPr>
             <p:ph sz="half" idx="2"/>
+            <p:custDataLst>
+              <p:tags r:id="rId5"/>
+            </p:custDataLst>
           </p:nvPr>
         </p:nvPicPr>
         <p:blipFill>
-          <a:blip r:embed="rId3">
+          <a:blip r:embed="rId8">
             <a:extLst>
               <a:ext uri="{28A0092B-C50C-407E-A947-70E740481C1C}">
                 <a14:useLocalDpi xmlns:a14="http://schemas.microsoft.com/office/drawing/2010/main" val="0"/>
@@ -4184,15 +4209,19 @@
           <p:cNvPicPr>
             <a:picLocks noChangeAspect="1" noChangeArrowheads="1"/>
           </p:cNvPicPr>
-          <p:nvPr/>
+          <p:nvPr>
+            <p:custDataLst>
+              <p:tags r:id="rId1"/>
+            </p:custDataLst>
+          </p:nvPr>
         </p:nvPicPr>
         <p:blipFill>
-          <a:blip r:embed="rId3">
+          <a:blip r:embed="rId7">
             <a:lum bright="70000" contrast="-70000"/>
             <a:extLst>
               <a:ext uri="{BEBA8EAE-BF5A-486C-A8C5-ECC9F3942E4B}">
                 <a14:imgProps xmlns:a14="http://schemas.microsoft.com/office/drawing/2010/main">
-                  <a14:imgLayer r:embed="rId4">
+                  <a14:imgLayer r:embed="rId8">
                     <a14:imgEffect>
                       <a14:artisticChalkSketch/>
                     </a14:imgEffect>
@@ -4260,6 +4289,9 @@
           </p:cNvSpPr>
           <p:nvPr>
             <p:ph type="title"/>
+            <p:custDataLst>
+              <p:tags r:id="rId2"/>
+            </p:custDataLst>
           </p:nvPr>
         </p:nvSpPr>
         <p:spPr/>
@@ -4292,10 +4324,13 @@
           </p:cNvPicPr>
           <p:nvPr>
             <p:ph idx="1"/>
+            <p:custDataLst>
+              <p:tags r:id="rId3"/>
+            </p:custDataLst>
           </p:nvPr>
         </p:nvPicPr>
         <p:blipFill rotWithShape="1">
-          <a:blip r:embed="rId5">
+          <a:blip r:embed="rId9">
             <a:extLst>
               <a:ext uri="{28A0092B-C50C-407E-A947-70E740481C1C}">
                 <a14:useLocalDpi xmlns:a14="http://schemas.microsoft.com/office/drawing/2010/main" val="0"/>
@@ -4329,7 +4364,11 @@
         <p:nvSpPr>
           <p:cNvPr id="5" name="Rectangle 4"/>
           <p:cNvSpPr/>
-          <p:nvPr/>
+          <p:nvPr>
+            <p:custDataLst>
+              <p:tags r:id="rId4"/>
+            </p:custDataLst>
+          </p:nvPr>
         </p:nvSpPr>
         <p:spPr>
           <a:xfrm>
@@ -4413,15 +4452,19 @@
           <p:cNvPicPr>
             <a:picLocks noChangeAspect="1" noChangeArrowheads="1"/>
           </p:cNvPicPr>
-          <p:nvPr/>
+          <p:nvPr>
+            <p:custDataLst>
+              <p:tags r:id="rId1"/>
+            </p:custDataLst>
+          </p:nvPr>
         </p:nvPicPr>
         <p:blipFill>
-          <a:blip r:embed="rId3">
+          <a:blip r:embed="rId7">
             <a:lum bright="70000" contrast="-70000"/>
             <a:extLst>
               <a:ext uri="{BEBA8EAE-BF5A-486C-A8C5-ECC9F3942E4B}">
                 <a14:imgProps xmlns:a14="http://schemas.microsoft.com/office/drawing/2010/main">
-                  <a14:imgLayer r:embed="rId4">
+                  <a14:imgLayer r:embed="rId8">
                     <a14:imgEffect>
                       <a14:artisticChalkSketch/>
                     </a14:imgEffect>
@@ -4489,6 +4532,9 @@
           </p:cNvSpPr>
           <p:nvPr>
             <p:ph type="title"/>
+            <p:custDataLst>
+              <p:tags r:id="rId2"/>
+            </p:custDataLst>
           </p:nvPr>
         </p:nvSpPr>
         <p:spPr/>
@@ -4521,10 +4567,13 @@
           </p:cNvPicPr>
           <p:nvPr>
             <p:ph idx="1"/>
+            <p:custDataLst>
+              <p:tags r:id="rId3"/>
+            </p:custDataLst>
           </p:nvPr>
         </p:nvPicPr>
         <p:blipFill rotWithShape="1">
-          <a:blip r:embed="rId5">
+          <a:blip r:embed="rId9">
             <a:extLst>
               <a:ext uri="{28A0092B-C50C-407E-A947-70E740481C1C}">
                 <a14:useLocalDpi xmlns:a14="http://schemas.microsoft.com/office/drawing/2010/main" val="0"/>
@@ -4558,7 +4607,11 @@
         <p:nvSpPr>
           <p:cNvPr id="4" name="Rectangle 3"/>
           <p:cNvSpPr/>
-          <p:nvPr/>
+          <p:nvPr>
+            <p:custDataLst>
+              <p:tags r:id="rId4"/>
+            </p:custDataLst>
+          </p:nvPr>
         </p:nvSpPr>
         <p:spPr>
           <a:xfrm>
@@ -4642,15 +4695,19 @@
           <p:cNvPicPr>
             <a:picLocks noChangeAspect="1" noChangeArrowheads="1"/>
           </p:cNvPicPr>
-          <p:nvPr/>
+          <p:nvPr>
+            <p:custDataLst>
+              <p:tags r:id="rId1"/>
+            </p:custDataLst>
+          </p:nvPr>
         </p:nvPicPr>
         <p:blipFill>
-          <a:blip r:embed="rId3">
+          <a:blip r:embed="rId7">
             <a:lum bright="70000" contrast="-70000"/>
             <a:extLst>
               <a:ext uri="{BEBA8EAE-BF5A-486C-A8C5-ECC9F3942E4B}">
                 <a14:imgProps xmlns:a14="http://schemas.microsoft.com/office/drawing/2010/main">
-                  <a14:imgLayer r:embed="rId4">
+                  <a14:imgLayer r:embed="rId8">
                     <a14:imgEffect>
                       <a14:artisticChalkSketch/>
                     </a14:imgEffect>
@@ -4718,10 +4775,13 @@
           </p:cNvPicPr>
           <p:nvPr>
             <p:ph idx="1"/>
+            <p:custDataLst>
+              <p:tags r:id="rId2"/>
+            </p:custDataLst>
           </p:nvPr>
         </p:nvPicPr>
         <p:blipFill rotWithShape="1">
-          <a:blip r:embed="rId5">
+          <a:blip r:embed="rId9">
             <a:extLst>
               <a:ext uri="{28A0092B-C50C-407E-A947-70E740481C1C}">
                 <a14:useLocalDpi xmlns:a14="http://schemas.microsoft.com/office/drawing/2010/main" val="0"/>
@@ -4759,6 +4819,9 @@
           </p:cNvSpPr>
           <p:nvPr>
             <p:ph type="title"/>
+            <p:custDataLst>
+              <p:tags r:id="rId3"/>
+            </p:custDataLst>
           </p:nvPr>
         </p:nvSpPr>
         <p:spPr/>
@@ -4780,7 +4843,11 @@
         <p:nvSpPr>
           <p:cNvPr id="5" name="Rectangle 4"/>
           <p:cNvSpPr/>
-          <p:nvPr/>
+          <p:nvPr>
+            <p:custDataLst>
+              <p:tags r:id="rId4"/>
+            </p:custDataLst>
+          </p:nvPr>
         </p:nvSpPr>
         <p:spPr>
           <a:xfrm>
@@ -4864,15 +4931,19 @@
           <p:cNvPicPr>
             <a:picLocks noChangeAspect="1" noChangeArrowheads="1"/>
           </p:cNvPicPr>
-          <p:nvPr/>
+          <p:nvPr>
+            <p:custDataLst>
+              <p:tags r:id="rId1"/>
+            </p:custDataLst>
+          </p:nvPr>
         </p:nvPicPr>
         <p:blipFill>
-          <a:blip r:embed="rId2">
+          <a:blip r:embed="rId5">
             <a:lum bright="70000" contrast="-70000"/>
             <a:extLst>
               <a:ext uri="{BEBA8EAE-BF5A-486C-A8C5-ECC9F3942E4B}">
                 <a14:imgProps xmlns:a14="http://schemas.microsoft.com/office/drawing/2010/main">
-                  <a14:imgLayer r:embed="rId3">
+                  <a14:imgLayer r:embed="rId6">
                     <a14:imgEffect>
                       <a14:artisticChalkSketch/>
                     </a14:imgEffect>
@@ -4940,6 +5011,9 @@
           </p:cNvSpPr>
           <p:nvPr>
             <p:ph type="title"/>
+            <p:custDataLst>
+              <p:tags r:id="rId2"/>
+            </p:custDataLst>
           </p:nvPr>
         </p:nvSpPr>
         <p:spPr/>
@@ -4963,10 +5037,13 @@
           </p:cNvPicPr>
           <p:nvPr>
             <p:ph idx="1"/>
+            <p:custDataLst>
+              <p:tags r:id="rId3"/>
+            </p:custDataLst>
           </p:nvPr>
         </p:nvPicPr>
         <p:blipFill>
-          <a:blip r:embed="rId4">
+          <a:blip r:embed="rId7">
             <a:extLst>
               <a:ext uri="{28A0092B-C50C-407E-A947-70E740481C1C}">
                 <a14:useLocalDpi xmlns:a14="http://schemas.microsoft.com/office/drawing/2010/main" val="0"/>
@@ -5041,15 +5118,19 @@
           <p:cNvPicPr>
             <a:picLocks noChangeAspect="1" noChangeArrowheads="1"/>
           </p:cNvPicPr>
-          <p:nvPr/>
+          <p:nvPr>
+            <p:custDataLst>
+              <p:tags r:id="rId1"/>
+            </p:custDataLst>
+          </p:nvPr>
         </p:nvPicPr>
         <p:blipFill>
-          <a:blip r:embed="rId2">
+          <a:blip r:embed="rId5">
             <a:lum bright="70000" contrast="-70000"/>
             <a:extLst>
               <a:ext uri="{BEBA8EAE-BF5A-486C-A8C5-ECC9F3942E4B}">
                 <a14:imgProps xmlns:a14="http://schemas.microsoft.com/office/drawing/2010/main">
-                  <a14:imgLayer r:embed="rId3">
+                  <a14:imgLayer r:embed="rId6">
                     <a14:imgEffect>
                       <a14:artisticChalkSketch/>
                     </a14:imgEffect>
@@ -5117,6 +5198,9 @@
           </p:cNvSpPr>
           <p:nvPr>
             <p:ph type="title"/>
+            <p:custDataLst>
+              <p:tags r:id="rId2"/>
+            </p:custDataLst>
           </p:nvPr>
         </p:nvSpPr>
         <p:spPr/>
@@ -5140,10 +5224,13 @@
           </p:cNvPicPr>
           <p:nvPr>
             <p:ph idx="1"/>
+            <p:custDataLst>
+              <p:tags r:id="rId3"/>
+            </p:custDataLst>
           </p:nvPr>
         </p:nvPicPr>
         <p:blipFill>
-          <a:blip r:embed="rId4">
+          <a:blip r:embed="rId7">
             <a:extLst>
               <a:ext uri="{28A0092B-C50C-407E-A947-70E740481C1C}">
                 <a14:useLocalDpi xmlns:a14="http://schemas.microsoft.com/office/drawing/2010/main" val="0"/>
@@ -5241,15 +5328,19 @@
           <p:cNvPicPr>
             <a:picLocks noChangeAspect="1" noChangeArrowheads="1"/>
           </p:cNvPicPr>
-          <p:nvPr/>
+          <p:nvPr>
+            <p:custDataLst>
+              <p:tags r:id="rId1"/>
+            </p:custDataLst>
+          </p:nvPr>
         </p:nvPicPr>
         <p:blipFill>
-          <a:blip r:embed="rId2">
+          <a:blip r:embed="rId5">
             <a:lum bright="70000" contrast="-70000"/>
             <a:extLst>
               <a:ext uri="{BEBA8EAE-BF5A-486C-A8C5-ECC9F3942E4B}">
                 <a14:imgProps xmlns:a14="http://schemas.microsoft.com/office/drawing/2010/main">
-                  <a14:imgLayer r:embed="rId3">
+                  <a14:imgLayer r:embed="rId6">
                     <a14:imgEffect>
                       <a14:artisticChalkSketch/>
                     </a14:imgEffect>
@@ -5317,6 +5408,9 @@
           </p:cNvSpPr>
           <p:nvPr>
             <p:ph type="title"/>
+            <p:custDataLst>
+              <p:tags r:id="rId2"/>
+            </p:custDataLst>
           </p:nvPr>
         </p:nvSpPr>
         <p:spPr/>
@@ -5340,10 +5434,13 @@
           </p:cNvPicPr>
           <p:nvPr>
             <p:ph idx="1"/>
+            <p:custDataLst>
+              <p:tags r:id="rId3"/>
+            </p:custDataLst>
           </p:nvPr>
         </p:nvPicPr>
         <p:blipFill rotWithShape="1">
-          <a:blip r:embed="rId4">
+          <a:blip r:embed="rId7">
             <a:extLst>
               <a:ext uri="{28A0092B-C50C-407E-A947-70E740481C1C}">
                 <a14:useLocalDpi xmlns:a14="http://schemas.microsoft.com/office/drawing/2010/main" val="0"/>
@@ -5439,15 +5536,19 @@
           <p:cNvPicPr>
             <a:picLocks noChangeAspect="1" noChangeArrowheads="1"/>
           </p:cNvPicPr>
-          <p:nvPr/>
+          <p:nvPr>
+            <p:custDataLst>
+              <p:tags r:id="rId1"/>
+            </p:custDataLst>
+          </p:nvPr>
         </p:nvPicPr>
         <p:blipFill>
-          <a:blip r:embed="rId2">
+          <a:blip r:embed="rId5">
             <a:lum bright="70000" contrast="-70000"/>
             <a:extLst>
               <a:ext uri="{BEBA8EAE-BF5A-486C-A8C5-ECC9F3942E4B}">
                 <a14:imgProps xmlns:a14="http://schemas.microsoft.com/office/drawing/2010/main">
-                  <a14:imgLayer r:embed="rId3">
+                  <a14:imgLayer r:embed="rId6">
                     <a14:imgEffect>
                       <a14:artisticChalkSketch/>
                     </a14:imgEffect>
@@ -5515,6 +5616,9 @@
           </p:cNvSpPr>
           <p:nvPr>
             <p:ph type="title"/>
+            <p:custDataLst>
+              <p:tags r:id="rId2"/>
+            </p:custDataLst>
           </p:nvPr>
         </p:nvSpPr>
         <p:spPr/>
@@ -5538,6 +5642,9 @@
           </p:cNvSpPr>
           <p:nvPr>
             <p:ph idx="1"/>
+            <p:custDataLst>
+              <p:tags r:id="rId3"/>
+            </p:custDataLst>
           </p:nvPr>
         </p:nvSpPr>
         <p:spPr/>
@@ -5615,15 +5722,19 @@
           <p:cNvPicPr>
             <a:picLocks noChangeAspect="1" noChangeArrowheads="1"/>
           </p:cNvPicPr>
-          <p:nvPr/>
+          <p:nvPr>
+            <p:custDataLst>
+              <p:tags r:id="rId1"/>
+            </p:custDataLst>
+          </p:nvPr>
         </p:nvPicPr>
         <p:blipFill>
-          <a:blip r:embed="rId2">
+          <a:blip r:embed="rId5">
             <a:lum bright="70000" contrast="-70000"/>
             <a:extLst>
               <a:ext uri="{BEBA8EAE-BF5A-486C-A8C5-ECC9F3942E4B}">
                 <a14:imgProps xmlns:a14="http://schemas.microsoft.com/office/drawing/2010/main">
-                  <a14:imgLayer r:embed="rId3">
+                  <a14:imgLayer r:embed="rId6">
                     <a14:imgEffect>
                       <a14:artisticChalkSketch/>
                     </a14:imgEffect>
@@ -5691,6 +5802,9 @@
           </p:cNvSpPr>
           <p:nvPr>
             <p:ph type="title"/>
+            <p:custDataLst>
+              <p:tags r:id="rId2"/>
+            </p:custDataLst>
           </p:nvPr>
         </p:nvSpPr>
         <p:spPr/>
@@ -5714,6 +5828,9 @@
           </p:cNvSpPr>
           <p:nvPr>
             <p:ph idx="1"/>
+            <p:custDataLst>
+              <p:tags r:id="rId3"/>
+            </p:custDataLst>
           </p:nvPr>
         </p:nvSpPr>
         <p:spPr/>
@@ -5804,15 +5921,19 @@
           <p:cNvPicPr>
             <a:picLocks noChangeAspect="1" noChangeArrowheads="1"/>
           </p:cNvPicPr>
-          <p:nvPr/>
+          <p:nvPr>
+            <p:custDataLst>
+              <p:tags r:id="rId1"/>
+            </p:custDataLst>
+          </p:nvPr>
         </p:nvPicPr>
         <p:blipFill>
-          <a:blip r:embed="rId2">
+          <a:blip r:embed="rId5">
             <a:lum bright="70000" contrast="-70000"/>
             <a:extLst>
               <a:ext uri="{BEBA8EAE-BF5A-486C-A8C5-ECC9F3942E4B}">
                 <a14:imgProps xmlns:a14="http://schemas.microsoft.com/office/drawing/2010/main">
-                  <a14:imgLayer r:embed="rId3">
+                  <a14:imgLayer r:embed="rId6">
                     <a14:imgEffect>
                       <a14:artisticChalkSketch/>
                     </a14:imgEffect>
@@ -5880,6 +6001,9 @@
           </p:cNvSpPr>
           <p:nvPr>
             <p:ph type="title"/>
+            <p:custDataLst>
+              <p:tags r:id="rId2"/>
+            </p:custDataLst>
           </p:nvPr>
         </p:nvSpPr>
         <p:spPr/>
@@ -5903,6 +6027,9 @@
           </p:cNvSpPr>
           <p:nvPr>
             <p:ph idx="1"/>
+            <p:custDataLst>
+              <p:tags r:id="rId3"/>
+            </p:custDataLst>
           </p:nvPr>
         </p:nvSpPr>
         <p:spPr/>
@@ -5982,15 +6109,19 @@
           <p:cNvPicPr>
             <a:picLocks noChangeAspect="1" noChangeArrowheads="1"/>
           </p:cNvPicPr>
-          <p:nvPr/>
+          <p:nvPr>
+            <p:custDataLst>
+              <p:tags r:id="rId1"/>
+            </p:custDataLst>
+          </p:nvPr>
         </p:nvPicPr>
         <p:blipFill>
-          <a:blip r:embed="rId2">
+          <a:blip r:embed="rId5">
             <a:lum bright="70000" contrast="-70000"/>
             <a:extLst>
               <a:ext uri="{BEBA8EAE-BF5A-486C-A8C5-ECC9F3942E4B}">
                 <a14:imgProps xmlns:a14="http://schemas.microsoft.com/office/drawing/2010/main">
-                  <a14:imgLayer r:embed="rId3">
+                  <a14:imgLayer r:embed="rId6">
                     <a14:imgEffect>
                       <a14:artisticChalkSketch/>
                     </a14:imgEffect>
@@ -6058,6 +6189,9 @@
           </p:cNvSpPr>
           <p:nvPr>
             <p:ph type="title"/>
+            <p:custDataLst>
+              <p:tags r:id="rId2"/>
+            </p:custDataLst>
           </p:nvPr>
         </p:nvSpPr>
         <p:spPr/>
@@ -6081,6 +6215,9 @@
           </p:cNvSpPr>
           <p:nvPr>
             <p:ph idx="1"/>
+            <p:custDataLst>
+              <p:tags r:id="rId3"/>
+            </p:custDataLst>
           </p:nvPr>
         </p:nvSpPr>
         <p:spPr/>
@@ -6111,8 +6248,9 @@
             <a:pPr lvl="2"/>
             <a:r>
               <a:rPr lang="fr-FR" dirty="0" smtClean="0"/>
-              <a:t>Elastique </a:t>
-            </a:r>
+              <a:t>Élastique </a:t>
+            </a:r>
+            <a:endParaRPr lang="fr-FR" dirty="0" smtClean="0"/>
           </a:p>
           <a:p>
             <a:pPr lvl="1"/>
@@ -6187,15 +6325,19 @@
           <p:cNvPicPr>
             <a:picLocks noChangeAspect="1" noChangeArrowheads="1"/>
           </p:cNvPicPr>
-          <p:nvPr/>
+          <p:nvPr>
+            <p:custDataLst>
+              <p:tags r:id="rId1"/>
+            </p:custDataLst>
+          </p:nvPr>
         </p:nvPicPr>
         <p:blipFill>
-          <a:blip r:embed="rId2">
+          <a:blip r:embed="rId5">
             <a:lum bright="70000" contrast="-70000"/>
             <a:extLst>
               <a:ext uri="{BEBA8EAE-BF5A-486C-A8C5-ECC9F3942E4B}">
                 <a14:imgProps xmlns:a14="http://schemas.microsoft.com/office/drawing/2010/main">
-                  <a14:imgLayer r:embed="rId3">
+                  <a14:imgLayer r:embed="rId6">
                     <a14:imgEffect>
                       <a14:artisticChalkSketch/>
                     </a14:imgEffect>
@@ -6263,6 +6405,9 @@
           </p:cNvSpPr>
           <p:nvPr>
             <p:ph type="title"/>
+            <p:custDataLst>
+              <p:tags r:id="rId2"/>
+            </p:custDataLst>
           </p:nvPr>
         </p:nvSpPr>
         <p:spPr/>
@@ -6286,6 +6431,9 @@
           </p:cNvSpPr>
           <p:nvPr>
             <p:ph idx="1"/>
+            <p:custDataLst>
+              <p:tags r:id="rId3"/>
+            </p:custDataLst>
           </p:nvPr>
         </p:nvSpPr>
         <p:spPr/>
@@ -6329,7 +6477,15 @@
             <a:pPr lvl="2"/>
             <a:r>
               <a:rPr lang="fr-FR" dirty="0" smtClean="0"/>
-              <a:t>Peut rappelé les vibrations des applaudissements</a:t>
+              <a:t>Peut </a:t>
+            </a:r>
+            <a:r>
+              <a:rPr lang="fr-FR" dirty="0" smtClean="0"/>
+              <a:t>rappeler </a:t>
+            </a:r>
+            <a:r>
+              <a:rPr lang="fr-FR" dirty="0" smtClean="0"/>
+              <a:t>les vibrations des applaudissements</a:t>
             </a:r>
           </a:p>
         </p:txBody>
@@ -6377,15 +6533,19 @@
           <p:cNvPicPr>
             <a:picLocks noChangeAspect="1" noChangeArrowheads="1"/>
           </p:cNvPicPr>
-          <p:nvPr/>
+          <p:nvPr>
+            <p:custDataLst>
+              <p:tags r:id="rId1"/>
+            </p:custDataLst>
+          </p:nvPr>
         </p:nvPicPr>
         <p:blipFill>
-          <a:blip r:embed="rId2">
+          <a:blip r:embed="rId5">
             <a:lum bright="70000" contrast="-70000"/>
             <a:extLst>
               <a:ext uri="{BEBA8EAE-BF5A-486C-A8C5-ECC9F3942E4B}">
                 <a14:imgProps xmlns:a14="http://schemas.microsoft.com/office/drawing/2010/main">
-                  <a14:imgLayer r:embed="rId3">
+                  <a14:imgLayer r:embed="rId6">
                     <a14:imgEffect>
                       <a14:artisticChalkSketch/>
                     </a14:imgEffect>
@@ -6453,6 +6613,9 @@
           </p:cNvSpPr>
           <p:nvPr>
             <p:ph type="title"/>
+            <p:custDataLst>
+              <p:tags r:id="rId2"/>
+            </p:custDataLst>
           </p:nvPr>
         </p:nvSpPr>
         <p:spPr/>
@@ -6476,6 +6639,9 @@
           </p:cNvSpPr>
           <p:nvPr>
             <p:ph idx="1"/>
+            <p:custDataLst>
+              <p:tags r:id="rId3"/>
+            </p:custDataLst>
           </p:nvPr>
         </p:nvSpPr>
         <p:spPr/>
@@ -6503,8 +6669,9 @@
             </a:r>
             <a:r>
               <a:rPr lang="fr-FR" dirty="0" smtClean="0"/>
-              <a:t>buts</a:t>
-            </a:r>
+              <a:t>but</a:t>
+            </a:r>
+            <a:endParaRPr lang="fr-FR" dirty="0" smtClean="0"/>
           </a:p>
           <a:p>
             <a:pPr lvl="1"/>
@@ -6528,9 +6695,12 @@
             <a:pPr lvl="2"/>
             <a:r>
               <a:rPr lang="fr-FR" dirty="0" smtClean="0"/>
-              <a:t>Si il a perdu</a:t>
-            </a:r>
-            <a:endParaRPr lang="fr-FR" dirty="0" smtClean="0"/>
+              <a:t>S’il </a:t>
+            </a:r>
+            <a:r>
+              <a:rPr lang="fr-FR" dirty="0" smtClean="0"/>
+              <a:t>a perdu</a:t>
+            </a:r>
           </a:p>
         </p:txBody>
       </p:sp>
@@ -6577,15 +6747,19 @@
           <p:cNvPicPr>
             <a:picLocks noChangeAspect="1" noChangeArrowheads="1"/>
           </p:cNvPicPr>
-          <p:nvPr/>
+          <p:nvPr>
+            <p:custDataLst>
+              <p:tags r:id="rId1"/>
+            </p:custDataLst>
+          </p:nvPr>
         </p:nvPicPr>
         <p:blipFill>
-          <a:blip r:embed="rId2">
+          <a:blip r:embed="rId5">
             <a:lum bright="70000" contrast="-70000"/>
             <a:extLst>
               <a:ext uri="{BEBA8EAE-BF5A-486C-A8C5-ECC9F3942E4B}">
                 <a14:imgProps xmlns:a14="http://schemas.microsoft.com/office/drawing/2010/main">
-                  <a14:imgLayer r:embed="rId3">
+                  <a14:imgLayer r:embed="rId6">
                     <a14:imgEffect>
                       <a14:artisticChalkSketch/>
                     </a14:imgEffect>
@@ -6653,6 +6827,9 @@
           </p:cNvSpPr>
           <p:nvPr>
             <p:ph type="title"/>
+            <p:custDataLst>
+              <p:tags r:id="rId2"/>
+            </p:custDataLst>
           </p:nvPr>
         </p:nvSpPr>
         <p:spPr/>
@@ -6678,6 +6855,9 @@
           </p:cNvSpPr>
           <p:nvPr>
             <p:ph idx="1"/>
+            <p:custDataLst>
+              <p:tags r:id="rId3"/>
+            </p:custDataLst>
           </p:nvPr>
         </p:nvSpPr>
         <p:spPr/>
@@ -6689,7 +6869,6 @@
               <a:rPr lang="fr-FR" dirty="0" smtClean="0"/>
               <a:t>Solide</a:t>
             </a:r>
-            <a:endParaRPr lang="fr-FR" dirty="0" smtClean="0"/>
           </a:p>
           <a:p>
             <a:pPr lvl="1"/>
@@ -6702,8 +6881,9 @@
           <a:p>
             <a:r>
               <a:rPr lang="fr-FR" dirty="0" smtClean="0"/>
-              <a:t>Elastique</a:t>
-            </a:r>
+              <a:t>Élastique</a:t>
+            </a:r>
+            <a:endParaRPr lang="fr-FR" dirty="0" smtClean="0"/>
           </a:p>
           <a:p>
             <a:pPr lvl="1"/>
@@ -6758,15 +6938,19 @@
           <p:cNvPicPr>
             <a:picLocks noChangeAspect="1" noChangeArrowheads="1"/>
           </p:cNvPicPr>
-          <p:nvPr/>
+          <p:nvPr>
+            <p:custDataLst>
+              <p:tags r:id="rId1"/>
+            </p:custDataLst>
+          </p:nvPr>
         </p:nvPicPr>
         <p:blipFill>
-          <a:blip r:embed="rId2">
+          <a:blip r:embed="rId5">
             <a:lum bright="70000" contrast="-70000"/>
             <a:extLst>
               <a:ext uri="{BEBA8EAE-BF5A-486C-A8C5-ECC9F3942E4B}">
                 <a14:imgProps xmlns:a14="http://schemas.microsoft.com/office/drawing/2010/main">
-                  <a14:imgLayer r:embed="rId3">
+                  <a14:imgLayer r:embed="rId6">
                     <a14:imgEffect>
                       <a14:artisticChalkSketch/>
                     </a14:imgEffect>
@@ -6834,6 +7018,9 @@
           </p:cNvSpPr>
           <p:nvPr>
             <p:ph type="title"/>
+            <p:custDataLst>
+              <p:tags r:id="rId2"/>
+            </p:custDataLst>
           </p:nvPr>
         </p:nvSpPr>
         <p:spPr/>
@@ -6857,6 +7044,9 @@
           </p:cNvSpPr>
           <p:nvPr>
             <p:ph idx="1"/>
+            <p:custDataLst>
+              <p:tags r:id="rId3"/>
+            </p:custDataLst>
           </p:nvPr>
         </p:nvSpPr>
         <p:spPr/>
@@ -6953,15 +7143,19 @@
           <p:cNvPicPr>
             <a:picLocks noChangeAspect="1" noChangeArrowheads="1"/>
           </p:cNvPicPr>
-          <p:nvPr/>
+          <p:nvPr>
+            <p:custDataLst>
+              <p:tags r:id="rId1"/>
+            </p:custDataLst>
+          </p:nvPr>
         </p:nvPicPr>
         <p:blipFill>
-          <a:blip r:embed="rId2">
+          <a:blip r:embed="rId5">
             <a:lum bright="70000" contrast="-70000"/>
             <a:extLst>
               <a:ext uri="{BEBA8EAE-BF5A-486C-A8C5-ECC9F3942E4B}">
                 <a14:imgProps xmlns:a14="http://schemas.microsoft.com/office/drawing/2010/main">
-                  <a14:imgLayer r:embed="rId3">
+                  <a14:imgLayer r:embed="rId6">
                     <a14:imgEffect>
                       <a14:artisticChalkSketch/>
                     </a14:imgEffect>
@@ -7029,6 +7223,9 @@
           </p:cNvSpPr>
           <p:nvPr>
             <p:ph type="title"/>
+            <p:custDataLst>
+              <p:tags r:id="rId2"/>
+            </p:custDataLst>
           </p:nvPr>
         </p:nvSpPr>
         <p:spPr/>
@@ -7052,6 +7249,9 @@
           </p:cNvSpPr>
           <p:nvPr>
             <p:ph idx="1"/>
+            <p:custDataLst>
+              <p:tags r:id="rId3"/>
+            </p:custDataLst>
           </p:nvPr>
         </p:nvSpPr>
         <p:spPr/>
@@ -7065,11 +7265,7 @@
             </a:r>
             <a:r>
               <a:rPr lang="fr-FR" smtClean="0"/>
-              <a:t>cas </a:t>
-            </a:r>
-            <a:r>
-              <a:rPr lang="fr-FR" smtClean="0"/>
-              <a:t>Solide</a:t>
+              <a:t>cas Solide</a:t>
             </a:r>
             <a:endParaRPr lang="fr-FR" dirty="0" smtClean="0"/>
           </a:p>
@@ -7120,6 +7316,342 @@
     </p:tnLst>
   </p:timing>
 </p:sld>
+</file>
+
+<file path=ppt/tags/tag1.xml><?xml version="1.0" encoding="utf-8"?>
+<p:tagLst xmlns:a="http://schemas.openxmlformats.org/drawingml/2006/main" xmlns:r="http://schemas.openxmlformats.org/officeDocument/2006/relationships" xmlns:p="http://schemas.openxmlformats.org/presentationml/2006/main">
+  <p:tag name="NUM" val="1"/>
+</p:tagLst>
+</file>
+
+<file path=ppt/tags/tag10.xml><?xml version="1.0" encoding="utf-8"?>
+<p:tagLst xmlns:a="http://schemas.openxmlformats.org/drawingml/2006/main" xmlns:r="http://schemas.openxmlformats.org/officeDocument/2006/relationships" xmlns:p="http://schemas.openxmlformats.org/presentationml/2006/main">
+  <p:tag name="NUM" val="1"/>
+</p:tagLst>
+</file>
+
+<file path=ppt/tags/tag11.xml><?xml version="1.0" encoding="utf-8"?>
+<p:tagLst xmlns:a="http://schemas.openxmlformats.org/drawingml/2006/main" xmlns:r="http://schemas.openxmlformats.org/officeDocument/2006/relationships" xmlns:p="http://schemas.openxmlformats.org/presentationml/2006/main">
+  <p:tag name="NUM" val="2"/>
+</p:tagLst>
+</file>
+
+<file path=ppt/tags/tag12.xml><?xml version="1.0" encoding="utf-8"?>
+<p:tagLst xmlns:a="http://schemas.openxmlformats.org/drawingml/2006/main" xmlns:r="http://schemas.openxmlformats.org/officeDocument/2006/relationships" xmlns:p="http://schemas.openxmlformats.org/presentationml/2006/main">
+  <p:tag name="NUM" val="3"/>
+</p:tagLst>
+</file>
+
+<file path=ppt/tags/tag13.xml><?xml version="1.0" encoding="utf-8"?>
+<p:tagLst xmlns:a="http://schemas.openxmlformats.org/drawingml/2006/main" xmlns:r="http://schemas.openxmlformats.org/officeDocument/2006/relationships" xmlns:p="http://schemas.openxmlformats.org/presentationml/2006/main">
+  <p:tag name="NUM" val="1"/>
+</p:tagLst>
+</file>
+
+<file path=ppt/tags/tag14.xml><?xml version="1.0" encoding="utf-8"?>
+<p:tagLst xmlns:a="http://schemas.openxmlformats.org/drawingml/2006/main" xmlns:r="http://schemas.openxmlformats.org/officeDocument/2006/relationships" xmlns:p="http://schemas.openxmlformats.org/presentationml/2006/main">
+  <p:tag name="NUM" val="2"/>
+</p:tagLst>
+</file>
+
+<file path=ppt/tags/tag15.xml><?xml version="1.0" encoding="utf-8"?>
+<p:tagLst xmlns:a="http://schemas.openxmlformats.org/drawingml/2006/main" xmlns:r="http://schemas.openxmlformats.org/officeDocument/2006/relationships" xmlns:p="http://schemas.openxmlformats.org/presentationml/2006/main">
+  <p:tag name="NUM" val="3"/>
+</p:tagLst>
+</file>
+
+<file path=ppt/tags/tag16.xml><?xml version="1.0" encoding="utf-8"?>
+<p:tagLst xmlns:a="http://schemas.openxmlformats.org/drawingml/2006/main" xmlns:r="http://schemas.openxmlformats.org/officeDocument/2006/relationships" xmlns:p="http://schemas.openxmlformats.org/presentationml/2006/main">
+  <p:tag name="NUM" val="1"/>
+</p:tagLst>
+</file>
+
+<file path=ppt/tags/tag17.xml><?xml version="1.0" encoding="utf-8"?>
+<p:tagLst xmlns:a="http://schemas.openxmlformats.org/drawingml/2006/main" xmlns:r="http://schemas.openxmlformats.org/officeDocument/2006/relationships" xmlns:p="http://schemas.openxmlformats.org/presentationml/2006/main">
+  <p:tag name="NUM" val="2"/>
+</p:tagLst>
+</file>
+
+<file path=ppt/tags/tag18.xml><?xml version="1.0" encoding="utf-8"?>
+<p:tagLst xmlns:a="http://schemas.openxmlformats.org/drawingml/2006/main" xmlns:r="http://schemas.openxmlformats.org/officeDocument/2006/relationships" xmlns:p="http://schemas.openxmlformats.org/presentationml/2006/main">
+  <p:tag name="NUM" val="3"/>
+</p:tagLst>
+</file>
+
+<file path=ppt/tags/tag19.xml><?xml version="1.0" encoding="utf-8"?>
+<p:tagLst xmlns:a="http://schemas.openxmlformats.org/drawingml/2006/main" xmlns:r="http://schemas.openxmlformats.org/officeDocument/2006/relationships" xmlns:p="http://schemas.openxmlformats.org/presentationml/2006/main">
+  <p:tag name="NUM" val="1"/>
+</p:tagLst>
+</file>
+
+<file path=ppt/tags/tag2.xml><?xml version="1.0" encoding="utf-8"?>
+<p:tagLst xmlns:a="http://schemas.openxmlformats.org/drawingml/2006/main" xmlns:r="http://schemas.openxmlformats.org/officeDocument/2006/relationships" xmlns:p="http://schemas.openxmlformats.org/presentationml/2006/main">
+  <p:tag name="NUM" val="2"/>
+</p:tagLst>
+</file>
+
+<file path=ppt/tags/tag20.xml><?xml version="1.0" encoding="utf-8"?>
+<p:tagLst xmlns:a="http://schemas.openxmlformats.org/drawingml/2006/main" xmlns:r="http://schemas.openxmlformats.org/officeDocument/2006/relationships" xmlns:p="http://schemas.openxmlformats.org/presentationml/2006/main">
+  <p:tag name="NUM" val="2"/>
+</p:tagLst>
+</file>
+
+<file path=ppt/tags/tag21.xml><?xml version="1.0" encoding="utf-8"?>
+<p:tagLst xmlns:a="http://schemas.openxmlformats.org/drawingml/2006/main" xmlns:r="http://schemas.openxmlformats.org/officeDocument/2006/relationships" xmlns:p="http://schemas.openxmlformats.org/presentationml/2006/main">
+  <p:tag name="NUM" val="3"/>
+</p:tagLst>
+</file>
+
+<file path=ppt/tags/tag22.xml><?xml version="1.0" encoding="utf-8"?>
+<p:tagLst xmlns:a="http://schemas.openxmlformats.org/drawingml/2006/main" xmlns:r="http://schemas.openxmlformats.org/officeDocument/2006/relationships" xmlns:p="http://schemas.openxmlformats.org/presentationml/2006/main">
+  <p:tag name="NUM" val="1"/>
+</p:tagLst>
+</file>
+
+<file path=ppt/tags/tag23.xml><?xml version="1.0" encoding="utf-8"?>
+<p:tagLst xmlns:a="http://schemas.openxmlformats.org/drawingml/2006/main" xmlns:r="http://schemas.openxmlformats.org/officeDocument/2006/relationships" xmlns:p="http://schemas.openxmlformats.org/presentationml/2006/main">
+  <p:tag name="NUM" val="2"/>
+</p:tagLst>
+</file>
+
+<file path=ppt/tags/tag24.xml><?xml version="1.0" encoding="utf-8"?>
+<p:tagLst xmlns:a="http://schemas.openxmlformats.org/drawingml/2006/main" xmlns:r="http://schemas.openxmlformats.org/officeDocument/2006/relationships" xmlns:p="http://schemas.openxmlformats.org/presentationml/2006/main">
+  <p:tag name="NUM" val="3"/>
+</p:tagLst>
+</file>
+
+<file path=ppt/tags/tag25.xml><?xml version="1.0" encoding="utf-8"?>
+<p:tagLst xmlns:a="http://schemas.openxmlformats.org/drawingml/2006/main" xmlns:r="http://schemas.openxmlformats.org/officeDocument/2006/relationships" xmlns:p="http://schemas.openxmlformats.org/presentationml/2006/main">
+  <p:tag name="NUM" val="1"/>
+</p:tagLst>
+</file>
+
+<file path=ppt/tags/tag26.xml><?xml version="1.0" encoding="utf-8"?>
+<p:tagLst xmlns:a="http://schemas.openxmlformats.org/drawingml/2006/main" xmlns:r="http://schemas.openxmlformats.org/officeDocument/2006/relationships" xmlns:p="http://schemas.openxmlformats.org/presentationml/2006/main">
+  <p:tag name="NUM" val="2"/>
+</p:tagLst>
+</file>
+
+<file path=ppt/tags/tag27.xml><?xml version="1.0" encoding="utf-8"?>
+<p:tagLst xmlns:a="http://schemas.openxmlformats.org/drawingml/2006/main" xmlns:r="http://schemas.openxmlformats.org/officeDocument/2006/relationships" xmlns:p="http://schemas.openxmlformats.org/presentationml/2006/main">
+  <p:tag name="NUM" val="3"/>
+</p:tagLst>
+</file>
+
+<file path=ppt/tags/tag28.xml><?xml version="1.0" encoding="utf-8"?>
+<p:tagLst xmlns:a="http://schemas.openxmlformats.org/drawingml/2006/main" xmlns:r="http://schemas.openxmlformats.org/officeDocument/2006/relationships" xmlns:p="http://schemas.openxmlformats.org/presentationml/2006/main">
+  <p:tag name="NUM" val="1"/>
+</p:tagLst>
+</file>
+
+<file path=ppt/tags/tag29.xml><?xml version="1.0" encoding="utf-8"?>
+<p:tagLst xmlns:a="http://schemas.openxmlformats.org/drawingml/2006/main" xmlns:r="http://schemas.openxmlformats.org/officeDocument/2006/relationships" xmlns:p="http://schemas.openxmlformats.org/presentationml/2006/main">
+  <p:tag name="NUM" val="2"/>
+</p:tagLst>
+</file>
+
+<file path=ppt/tags/tag3.xml><?xml version="1.0" encoding="utf-8"?>
+<p:tagLst xmlns:a="http://schemas.openxmlformats.org/drawingml/2006/main" xmlns:r="http://schemas.openxmlformats.org/officeDocument/2006/relationships" xmlns:p="http://schemas.openxmlformats.org/presentationml/2006/main">
+  <p:tag name="NUM" val="3"/>
+</p:tagLst>
+</file>
+
+<file path=ppt/tags/tag30.xml><?xml version="1.0" encoding="utf-8"?>
+<p:tagLst xmlns:a="http://schemas.openxmlformats.org/drawingml/2006/main" xmlns:r="http://schemas.openxmlformats.org/officeDocument/2006/relationships" xmlns:p="http://schemas.openxmlformats.org/presentationml/2006/main">
+  <p:tag name="NUM" val="3"/>
+</p:tagLst>
+</file>
+
+<file path=ppt/tags/tag31.xml><?xml version="1.0" encoding="utf-8"?>
+<p:tagLst xmlns:a="http://schemas.openxmlformats.org/drawingml/2006/main" xmlns:r="http://schemas.openxmlformats.org/officeDocument/2006/relationships" xmlns:p="http://schemas.openxmlformats.org/presentationml/2006/main">
+  <p:tag name="NUM" val="4"/>
+</p:tagLst>
+</file>
+
+<file path=ppt/tags/tag32.xml><?xml version="1.0" encoding="utf-8"?>
+<p:tagLst xmlns:a="http://schemas.openxmlformats.org/drawingml/2006/main" xmlns:r="http://schemas.openxmlformats.org/officeDocument/2006/relationships" xmlns:p="http://schemas.openxmlformats.org/presentationml/2006/main">
+  <p:tag name="NUM" val="5"/>
+</p:tagLst>
+</file>
+
+<file path=ppt/tags/tag33.xml><?xml version="1.0" encoding="utf-8"?>
+<p:tagLst xmlns:a="http://schemas.openxmlformats.org/drawingml/2006/main" xmlns:r="http://schemas.openxmlformats.org/officeDocument/2006/relationships" xmlns:p="http://schemas.openxmlformats.org/presentationml/2006/main">
+  <p:tag name="NUM" val="1"/>
+</p:tagLst>
+</file>
+
+<file path=ppt/tags/tag34.xml><?xml version="1.0" encoding="utf-8"?>
+<p:tagLst xmlns:a="http://schemas.openxmlformats.org/drawingml/2006/main" xmlns:r="http://schemas.openxmlformats.org/officeDocument/2006/relationships" xmlns:p="http://schemas.openxmlformats.org/presentationml/2006/main">
+  <p:tag name="NUM" val="2"/>
+</p:tagLst>
+</file>
+
+<file path=ppt/tags/tag35.xml><?xml version="1.0" encoding="utf-8"?>
+<p:tagLst xmlns:a="http://schemas.openxmlformats.org/drawingml/2006/main" xmlns:r="http://schemas.openxmlformats.org/officeDocument/2006/relationships" xmlns:p="http://schemas.openxmlformats.org/presentationml/2006/main">
+  <p:tag name="NUM" val="3"/>
+</p:tagLst>
+</file>
+
+<file path=ppt/tags/tag36.xml><?xml version="1.0" encoding="utf-8"?>
+<p:tagLst xmlns:a="http://schemas.openxmlformats.org/drawingml/2006/main" xmlns:r="http://schemas.openxmlformats.org/officeDocument/2006/relationships" xmlns:p="http://schemas.openxmlformats.org/presentationml/2006/main">
+  <p:tag name="NUM" val="4"/>
+</p:tagLst>
+</file>
+
+<file path=ppt/tags/tag37.xml><?xml version="1.0" encoding="utf-8"?>
+<p:tagLst xmlns:a="http://schemas.openxmlformats.org/drawingml/2006/main" xmlns:r="http://schemas.openxmlformats.org/officeDocument/2006/relationships" xmlns:p="http://schemas.openxmlformats.org/presentationml/2006/main">
+  <p:tag name="NUM" val="1"/>
+</p:tagLst>
+</file>
+
+<file path=ppt/tags/tag38.xml><?xml version="1.0" encoding="utf-8"?>
+<p:tagLst xmlns:a="http://schemas.openxmlformats.org/drawingml/2006/main" xmlns:r="http://schemas.openxmlformats.org/officeDocument/2006/relationships" xmlns:p="http://schemas.openxmlformats.org/presentationml/2006/main">
+  <p:tag name="NUM" val="2"/>
+</p:tagLst>
+</file>
+
+<file path=ppt/tags/tag39.xml><?xml version="1.0" encoding="utf-8"?>
+<p:tagLst xmlns:a="http://schemas.openxmlformats.org/drawingml/2006/main" xmlns:r="http://schemas.openxmlformats.org/officeDocument/2006/relationships" xmlns:p="http://schemas.openxmlformats.org/presentationml/2006/main">
+  <p:tag name="NUM" val="3"/>
+</p:tagLst>
+</file>
+
+<file path=ppt/tags/tag4.xml><?xml version="1.0" encoding="utf-8"?>
+<p:tagLst xmlns:a="http://schemas.openxmlformats.org/drawingml/2006/main" xmlns:r="http://schemas.openxmlformats.org/officeDocument/2006/relationships" xmlns:p="http://schemas.openxmlformats.org/presentationml/2006/main">
+  <p:tag name="NUM" val="1"/>
+</p:tagLst>
+</file>
+
+<file path=ppt/tags/tag40.xml><?xml version="1.0" encoding="utf-8"?>
+<p:tagLst xmlns:a="http://schemas.openxmlformats.org/drawingml/2006/main" xmlns:r="http://schemas.openxmlformats.org/officeDocument/2006/relationships" xmlns:p="http://schemas.openxmlformats.org/presentationml/2006/main">
+  <p:tag name="NUM" val="4"/>
+</p:tagLst>
+</file>
+
+<file path=ppt/tags/tag41.xml><?xml version="1.0" encoding="utf-8"?>
+<p:tagLst xmlns:a="http://schemas.openxmlformats.org/drawingml/2006/main" xmlns:r="http://schemas.openxmlformats.org/officeDocument/2006/relationships" xmlns:p="http://schemas.openxmlformats.org/presentationml/2006/main">
+  <p:tag name="NUM" val="1"/>
+</p:tagLst>
+</file>
+
+<file path=ppt/tags/tag42.xml><?xml version="1.0" encoding="utf-8"?>
+<p:tagLst xmlns:a="http://schemas.openxmlformats.org/drawingml/2006/main" xmlns:r="http://schemas.openxmlformats.org/officeDocument/2006/relationships" xmlns:p="http://schemas.openxmlformats.org/presentationml/2006/main">
+  <p:tag name="NUM" val="2"/>
+</p:tagLst>
+</file>
+
+<file path=ppt/tags/tag43.xml><?xml version="1.0" encoding="utf-8"?>
+<p:tagLst xmlns:a="http://schemas.openxmlformats.org/drawingml/2006/main" xmlns:r="http://schemas.openxmlformats.org/officeDocument/2006/relationships" xmlns:p="http://schemas.openxmlformats.org/presentationml/2006/main">
+  <p:tag name="NUM" val="3"/>
+</p:tagLst>
+</file>
+
+<file path=ppt/tags/tag44.xml><?xml version="1.0" encoding="utf-8"?>
+<p:tagLst xmlns:a="http://schemas.openxmlformats.org/drawingml/2006/main" xmlns:r="http://schemas.openxmlformats.org/officeDocument/2006/relationships" xmlns:p="http://schemas.openxmlformats.org/presentationml/2006/main">
+  <p:tag name="NUM" val="4"/>
+</p:tagLst>
+</file>
+
+<file path=ppt/tags/tag45.xml><?xml version="1.0" encoding="utf-8"?>
+<p:tagLst xmlns:a="http://schemas.openxmlformats.org/drawingml/2006/main" xmlns:r="http://schemas.openxmlformats.org/officeDocument/2006/relationships" xmlns:p="http://schemas.openxmlformats.org/presentationml/2006/main">
+  <p:tag name="NUM" val="1"/>
+</p:tagLst>
+</file>
+
+<file path=ppt/tags/tag46.xml><?xml version="1.0" encoding="utf-8"?>
+<p:tagLst xmlns:a="http://schemas.openxmlformats.org/drawingml/2006/main" xmlns:r="http://schemas.openxmlformats.org/officeDocument/2006/relationships" xmlns:p="http://schemas.openxmlformats.org/presentationml/2006/main">
+  <p:tag name="NUM" val="2"/>
+</p:tagLst>
+</file>
+
+<file path=ppt/tags/tag47.xml><?xml version="1.0" encoding="utf-8"?>
+<p:tagLst xmlns:a="http://schemas.openxmlformats.org/drawingml/2006/main" xmlns:r="http://schemas.openxmlformats.org/officeDocument/2006/relationships" xmlns:p="http://schemas.openxmlformats.org/presentationml/2006/main">
+  <p:tag name="NUM" val="3"/>
+</p:tagLst>
+</file>
+
+<file path=ppt/tags/tag48.xml><?xml version="1.0" encoding="utf-8"?>
+<p:tagLst xmlns:a="http://schemas.openxmlformats.org/drawingml/2006/main" xmlns:r="http://schemas.openxmlformats.org/officeDocument/2006/relationships" xmlns:p="http://schemas.openxmlformats.org/presentationml/2006/main">
+  <p:tag name="NUM" val="1"/>
+</p:tagLst>
+</file>
+
+<file path=ppt/tags/tag49.xml><?xml version="1.0" encoding="utf-8"?>
+<p:tagLst xmlns:a="http://schemas.openxmlformats.org/drawingml/2006/main" xmlns:r="http://schemas.openxmlformats.org/officeDocument/2006/relationships" xmlns:p="http://schemas.openxmlformats.org/presentationml/2006/main">
+  <p:tag name="NUM" val="2"/>
+</p:tagLst>
+</file>
+
+<file path=ppt/tags/tag5.xml><?xml version="1.0" encoding="utf-8"?>
+<p:tagLst xmlns:a="http://schemas.openxmlformats.org/drawingml/2006/main" xmlns:r="http://schemas.openxmlformats.org/officeDocument/2006/relationships" xmlns:p="http://schemas.openxmlformats.org/presentationml/2006/main">
+  <p:tag name="NUM" val="2"/>
+</p:tagLst>
+</file>
+
+<file path=ppt/tags/tag50.xml><?xml version="1.0" encoding="utf-8"?>
+<p:tagLst xmlns:a="http://schemas.openxmlformats.org/drawingml/2006/main" xmlns:r="http://schemas.openxmlformats.org/officeDocument/2006/relationships" xmlns:p="http://schemas.openxmlformats.org/presentationml/2006/main">
+  <p:tag name="NUM" val="3"/>
+</p:tagLst>
+</file>
+
+<file path=ppt/tags/tag51.xml><?xml version="1.0" encoding="utf-8"?>
+<p:tagLst xmlns:a="http://schemas.openxmlformats.org/drawingml/2006/main" xmlns:r="http://schemas.openxmlformats.org/officeDocument/2006/relationships" xmlns:p="http://schemas.openxmlformats.org/presentationml/2006/main">
+  <p:tag name="NUM" val="1"/>
+</p:tagLst>
+</file>
+
+<file path=ppt/tags/tag52.xml><?xml version="1.0" encoding="utf-8"?>
+<p:tagLst xmlns:a="http://schemas.openxmlformats.org/drawingml/2006/main" xmlns:r="http://schemas.openxmlformats.org/officeDocument/2006/relationships" xmlns:p="http://schemas.openxmlformats.org/presentationml/2006/main">
+  <p:tag name="NUM" val="2"/>
+</p:tagLst>
+</file>
+
+<file path=ppt/tags/tag53.xml><?xml version="1.0" encoding="utf-8"?>
+<p:tagLst xmlns:a="http://schemas.openxmlformats.org/drawingml/2006/main" xmlns:r="http://schemas.openxmlformats.org/officeDocument/2006/relationships" xmlns:p="http://schemas.openxmlformats.org/presentationml/2006/main">
+  <p:tag name="NUM" val="3"/>
+</p:tagLst>
+</file>
+
+<file path=ppt/tags/tag54.xml><?xml version="1.0" encoding="utf-8"?>
+<p:tagLst xmlns:a="http://schemas.openxmlformats.org/drawingml/2006/main" xmlns:r="http://schemas.openxmlformats.org/officeDocument/2006/relationships" xmlns:p="http://schemas.openxmlformats.org/presentationml/2006/main">
+  <p:tag name="NUM" val="1"/>
+</p:tagLst>
+</file>
+
+<file path=ppt/tags/tag55.xml><?xml version="1.0" encoding="utf-8"?>
+<p:tagLst xmlns:a="http://schemas.openxmlformats.org/drawingml/2006/main" xmlns:r="http://schemas.openxmlformats.org/officeDocument/2006/relationships" xmlns:p="http://schemas.openxmlformats.org/presentationml/2006/main">
+  <p:tag name="NUM" val="2"/>
+</p:tagLst>
+</file>
+
+<file path=ppt/tags/tag56.xml><?xml version="1.0" encoding="utf-8"?>
+<p:tagLst xmlns:a="http://schemas.openxmlformats.org/drawingml/2006/main" xmlns:r="http://schemas.openxmlformats.org/officeDocument/2006/relationships" xmlns:p="http://schemas.openxmlformats.org/presentationml/2006/main">
+  <p:tag name="NUM" val="3"/>
+</p:tagLst>
+</file>
+
+<file path=ppt/tags/tag6.xml><?xml version="1.0" encoding="utf-8"?>
+<p:tagLst xmlns:a="http://schemas.openxmlformats.org/drawingml/2006/main" xmlns:r="http://schemas.openxmlformats.org/officeDocument/2006/relationships" xmlns:p="http://schemas.openxmlformats.org/presentationml/2006/main">
+  <p:tag name="NUM" val="3"/>
+</p:tagLst>
+</file>
+
+<file path=ppt/tags/tag7.xml><?xml version="1.0" encoding="utf-8"?>
+<p:tagLst xmlns:a="http://schemas.openxmlformats.org/drawingml/2006/main" xmlns:r="http://schemas.openxmlformats.org/officeDocument/2006/relationships" xmlns:p="http://schemas.openxmlformats.org/presentationml/2006/main">
+  <p:tag name="NUM" val="1"/>
+</p:tagLst>
+</file>
+
+<file path=ppt/tags/tag8.xml><?xml version="1.0" encoding="utf-8"?>
+<p:tagLst xmlns:a="http://schemas.openxmlformats.org/drawingml/2006/main" xmlns:r="http://schemas.openxmlformats.org/officeDocument/2006/relationships" xmlns:p="http://schemas.openxmlformats.org/presentationml/2006/main">
+  <p:tag name="NUM" val="2"/>
+</p:tagLst>
+</file>
+
+<file path=ppt/tags/tag9.xml><?xml version="1.0" encoding="utf-8"?>
+<p:tagLst xmlns:a="http://schemas.openxmlformats.org/drawingml/2006/main" xmlns:r="http://schemas.openxmlformats.org/officeDocument/2006/relationships" xmlns:p="http://schemas.openxmlformats.org/presentationml/2006/main">
+  <p:tag name="NUM" val="3"/>
+</p:tagLst>
 </file>
 
 <file path=ppt/theme/theme1.xml><?xml version="1.0" encoding="utf-8"?>
